--- a/docs/system-design.pptx
+++ b/docs/system-design.pptx
@@ -116,6 +116,11 @@
       </a:defRPr>
     </a:lvl9pPr>
   </p:defaultTextStyle>
+  <p:extLst>
+    <p:ext uri="{EFAFB233-063F-42B5-8137-9DF3F51BA10A}">
+      <p15:sldGuideLst xmlns:p15="http://schemas.microsoft.com/office/powerpoint/2012/main"/>
+    </p:ext>
+  </p:extLst>
 </p:presentation>
 </file>
 
@@ -3664,7 +3669,7 @@
         <p:spPr/>
         <p:txBody>
           <a:bodyPr>
-            <a:normAutofit/>
+            <a:normAutofit lnSpcReduction="10000"/>
           </a:bodyPr>
           <a:lstStyle/>
           <a:p>
@@ -3701,6 +3706,12 @@
             <a:r>
               <a:rPr lang="en-US" dirty="0"/>
               <a:t>KEY_START_PAUSE</a:t>
+            </a:r>
+          </a:p>
+          <a:p>
+            <a:r>
+              <a:rPr lang="en-AU"/>
+              <a:t>SET_READY</a:t>
             </a:r>
             <a:endParaRPr lang="en-AU" dirty="0"/>
           </a:p>
@@ -3807,6 +3818,12 @@
             <a:r>
               <a:rPr lang="en-US" dirty="0"/>
               <a:t>NOT_STARTED</a:t>
+            </a:r>
+          </a:p>
+          <a:p>
+            <a:r>
+              <a:rPr lang="en-US" dirty="0"/>
+              <a:t>READY</a:t>
             </a:r>
           </a:p>
           <a:p>
@@ -4146,10 +4163,10 @@
       </p:sp>
       <p:pic>
         <p:nvPicPr>
-          <p:cNvPr id="17" name="Picture 16">
+          <p:cNvPr id="7" name="Picture 6">
             <a:extLst>
               <a:ext uri="{FF2B5EF4-FFF2-40B4-BE49-F238E27FC236}">
-                <a16:creationId xmlns:a16="http://schemas.microsoft.com/office/drawing/2014/main" id="{2A26C07B-A31C-CE4F-39F8-EDEE69A7CBC2}"/>
+                <a16:creationId xmlns:a16="http://schemas.microsoft.com/office/drawing/2014/main" id="{C73F7555-4E0D-35AF-A096-F725958AE005}"/>
               </a:ext>
             </a:extLst>
           </p:cNvPr>
@@ -4166,8 +4183,8 @@
         </p:blipFill>
         <p:spPr>
           <a:xfrm>
-            <a:off x="3738602" y="2183445"/>
-            <a:ext cx="4545813" cy="4128455"/>
+            <a:off x="3965197" y="1749923"/>
+            <a:ext cx="4414603" cy="4852353"/>
           </a:xfrm>
           <a:prstGeom prst="rect">
             <a:avLst/>
